--- a/Coursework_part_1.pptx
+++ b/Coursework_part_1.pptx
@@ -8,6 +8,7 @@
     <p:sldId id="256" r:id="rId2"/>
     <p:sldId id="257" r:id="rId3"/>
     <p:sldId id="258" r:id="rId4"/>
+    <p:sldId id="259" r:id="rId5"/>
   </p:sldIdLst>
   <p:sldSz cx="12192000" cy="6858000"/>
   <p:notesSz cx="6858000" cy="9144000"/>
@@ -106,15 +107,88 @@
       </a:defRPr>
     </a:lvl9pPr>
   </p:defaultTextStyle>
+  <p:extLst>
+    <p:ext uri="{EFAFB233-063F-42B5-8137-9DF3F51BA10A}">
+      <p15:sldGuideLst xmlns:p15="http://schemas.microsoft.com/office/powerpoint/2012/main"/>
+    </p:ext>
+  </p:extLst>
 </p:presentation>
 </file>
 
 <file path=ppt/revisionInfo.xml><?xml version="1.0" encoding="utf-8"?>
 <p1510:revInfo xmlns:a="http://schemas.openxmlformats.org/drawingml/2006/main" xmlns:r="http://schemas.openxmlformats.org/officeDocument/2006/relationships" xmlns:p1510="http://schemas.microsoft.com/office/powerpoint/2015/10/main">
   <p1510:revLst>
-    <p1510:client id="{42E56673-4370-0045-A734-D0FBDFCEDB98}" v="1" dt="2024-11-12T10:49:49.221"/>
+    <p1510:client id="{42E56673-4370-0045-A734-D0FBDFCEDB98}" v="3" dt="2024-11-12T14:18:55.106"/>
   </p1510:revLst>
 </p1510:revInfo>
+</file>
+
+<file path=ppt/changesInfos/changesInfo1.xml><?xml version="1.0" encoding="utf-8"?>
+<pc:chgInfo xmlns:a="http://schemas.openxmlformats.org/drawingml/2006/main" xmlns:r="http://schemas.openxmlformats.org/officeDocument/2006/relationships" xmlns:ac="http://schemas.microsoft.com/office/drawing/2013/main/command" xmlns:pc="http://schemas.microsoft.com/office/powerpoint/2013/main/command">
+  <pc:docChgLst>
+    <pc:chgData name="Laura Dean (staff)" userId="d8747312-ac52-4b4d-9ae4-1e15c3e0516b" providerId="ADAL" clId="{42E56673-4370-0045-A734-D0FBDFCEDB98}"/>
+    <pc:docChg chg="undo custSel addSld modSld">
+      <pc:chgData name="Laura Dean (staff)" userId="d8747312-ac52-4b4d-9ae4-1e15c3e0516b" providerId="ADAL" clId="{42E56673-4370-0045-A734-D0FBDFCEDB98}" dt="2024-11-12T14:23:02.282" v="836" actId="20577"/>
+      <pc:docMkLst>
+        <pc:docMk/>
+      </pc:docMkLst>
+      <pc:sldChg chg="addSp modSp mod">
+        <pc:chgData name="Laura Dean (staff)" userId="d8747312-ac52-4b4d-9ae4-1e15c3e0516b" providerId="ADAL" clId="{42E56673-4370-0045-A734-D0FBDFCEDB98}" dt="2024-11-12T14:09:57.278" v="63" actId="27636"/>
+        <pc:sldMkLst>
+          <pc:docMk/>
+          <pc:sldMk cId="1832328622" sldId="258"/>
+        </pc:sldMkLst>
+        <pc:spChg chg="mod">
+          <ac:chgData name="Laura Dean (staff)" userId="d8747312-ac52-4b4d-9ae4-1e15c3e0516b" providerId="ADAL" clId="{42E56673-4370-0045-A734-D0FBDFCEDB98}" dt="2024-11-12T14:09:57.278" v="63" actId="27636"/>
+          <ac:spMkLst>
+            <pc:docMk/>
+            <pc:sldMk cId="1832328622" sldId="258"/>
+            <ac:spMk id="3" creationId="{73C67807-F35A-9FB1-F609-B958229C99ED}"/>
+          </ac:spMkLst>
+        </pc:spChg>
+        <pc:spChg chg="add mod">
+          <ac:chgData name="Laura Dean (staff)" userId="d8747312-ac52-4b4d-9ae4-1e15c3e0516b" providerId="ADAL" clId="{42E56673-4370-0045-A734-D0FBDFCEDB98}" dt="2024-11-12T14:09:52.889" v="61" actId="1076"/>
+          <ac:spMkLst>
+            <pc:docMk/>
+            <pc:sldMk cId="1832328622" sldId="258"/>
+            <ac:spMk id="4" creationId="{03BCF7C1-C24A-AB4E-80D3-27E96958650D}"/>
+          </ac:spMkLst>
+        </pc:spChg>
+      </pc:sldChg>
+      <pc:sldChg chg="delSp modSp add mod">
+        <pc:chgData name="Laura Dean (staff)" userId="d8747312-ac52-4b4d-9ae4-1e15c3e0516b" providerId="ADAL" clId="{42E56673-4370-0045-A734-D0FBDFCEDB98}" dt="2024-11-12T14:23:02.282" v="836" actId="20577"/>
+        <pc:sldMkLst>
+          <pc:docMk/>
+          <pc:sldMk cId="1048522928" sldId="259"/>
+        </pc:sldMkLst>
+        <pc:spChg chg="mod">
+          <ac:chgData name="Laura Dean (staff)" userId="d8747312-ac52-4b4d-9ae4-1e15c3e0516b" providerId="ADAL" clId="{42E56673-4370-0045-A734-D0FBDFCEDB98}" dt="2024-11-12T14:16:20.533" v="99" actId="1076"/>
+          <ac:spMkLst>
+            <pc:docMk/>
+            <pc:sldMk cId="1048522928" sldId="259"/>
+            <ac:spMk id="2" creationId="{6F2CA7B5-4E13-CAE5-AB9A-FAEBCEF674CA}"/>
+          </ac:spMkLst>
+        </pc:spChg>
+        <pc:spChg chg="mod">
+          <ac:chgData name="Laura Dean (staff)" userId="d8747312-ac52-4b4d-9ae4-1e15c3e0516b" providerId="ADAL" clId="{42E56673-4370-0045-A734-D0FBDFCEDB98}" dt="2024-11-12T14:23:02.282" v="836" actId="20577"/>
+          <ac:spMkLst>
+            <pc:docMk/>
+            <pc:sldMk cId="1048522928" sldId="259"/>
+            <ac:spMk id="3" creationId="{9B49522D-18EB-DE2D-CA3C-F91B0FFFC778}"/>
+          </ac:spMkLst>
+        </pc:spChg>
+        <pc:spChg chg="del">
+          <ac:chgData name="Laura Dean (staff)" userId="d8747312-ac52-4b4d-9ae4-1e15c3e0516b" providerId="ADAL" clId="{42E56673-4370-0045-A734-D0FBDFCEDB98}" dt="2024-11-12T14:22:09.585" v="791" actId="478"/>
+          <ac:spMkLst>
+            <pc:docMk/>
+            <pc:sldMk cId="1048522928" sldId="259"/>
+            <ac:spMk id="4" creationId="{1B407E4A-F4DB-1E15-BBDF-57D7E892D2B5}"/>
+          </ac:spMkLst>
+        </pc:spChg>
+      </pc:sldChg>
+    </pc:docChg>
+  </pc:docChgLst>
+</pc:chgInfo>
 </file>
 
 <file path=ppt/slideLayouts/slideLayout1.xml><?xml version="1.0" encoding="utf-8"?>
@@ -4325,13 +4399,13 @@
         </p:nvSpPr>
         <p:spPr>
           <a:xfrm>
-            <a:off x="1439917" y="1962424"/>
-            <a:ext cx="9722069" cy="3366321"/>
+            <a:off x="672662" y="1450428"/>
+            <a:ext cx="10773103" cy="3920358"/>
           </a:xfrm>
         </p:spPr>
         <p:txBody>
           <a:bodyPr>
-            <a:normAutofit lnSpcReduction="10000"/>
+            <a:normAutofit fontScale="92500"/>
           </a:bodyPr>
           <a:lstStyle/>
           <a:p>
@@ -4340,15 +4414,15 @@
               <a:buChar char="•"/>
             </a:pPr>
             <a:r>
-              <a:rPr lang="en-US" sz="2000" dirty="0"/>
+              <a:rPr lang="en-US" dirty="0"/>
               <a:t>The questions for part 1 will be provided for you as two </a:t>
             </a:r>
             <a:r>
-              <a:rPr lang="en-US" sz="2000" dirty="0" err="1"/>
+              <a:rPr lang="en-US" dirty="0" err="1"/>
               <a:t>jupyter</a:t>
             </a:r>
             <a:r>
-              <a:rPr lang="en-US" sz="2000" dirty="0"/>
+              <a:rPr lang="en-US" dirty="0"/>
               <a:t> notebooks, one for you to complete in R and one in Python.</a:t>
             </a:r>
           </a:p>
@@ -4357,7 +4431,7 @@
               <a:buFont typeface="Arial" panose="020B0604020202020204" pitchFamily="34" charset="0"/>
               <a:buChar char="•"/>
             </a:pPr>
-            <a:endParaRPr lang="en-US" sz="2000" dirty="0"/>
+            <a:endParaRPr lang="en-US" dirty="0"/>
           </a:p>
           <a:p>
             <a:pPr marL="285750" indent="-285750" algn="l">
@@ -4365,7 +4439,7 @@
               <a:buChar char="•"/>
             </a:pPr>
             <a:r>
-              <a:rPr lang="en-US" sz="2000" dirty="0"/>
+              <a:rPr lang="en-US" dirty="0"/>
               <a:t>You must complete all of the questions in both notebooks and save them with your answers.</a:t>
             </a:r>
           </a:p>
@@ -4374,7 +4448,7 @@
               <a:buFont typeface="Arial" panose="020B0604020202020204" pitchFamily="34" charset="0"/>
               <a:buChar char="•"/>
             </a:pPr>
-            <a:endParaRPr lang="en-US" sz="2000" dirty="0"/>
+            <a:endParaRPr lang="en-US" dirty="0"/>
           </a:p>
           <a:p>
             <a:pPr marL="285750" indent="-285750" algn="l">
@@ -4382,46 +4456,124 @@
               <a:buChar char="•"/>
             </a:pPr>
             <a:r>
-              <a:rPr lang="en-US" sz="2000" dirty="0"/>
-              <a:t>The notebooks can be </a:t>
-            </a:r>
-            <a:r>
-              <a:rPr lang="en-US" sz="2000"/>
-              <a:t>downloaded from the </a:t>
-            </a:r>
-            <a:r>
-              <a:rPr lang="en-US" sz="2000" dirty="0"/>
-              <a:t>R </a:t>
-            </a:r>
-            <a:r>
-              <a:rPr lang="en-US" sz="2000" dirty="0" err="1"/>
+              <a:rPr lang="en-US" dirty="0"/>
+              <a:t>The notebooks can be downloaded from the R </a:t>
+            </a:r>
+            <a:r>
+              <a:rPr lang="en-US" dirty="0" err="1"/>
               <a:t>github</a:t>
             </a:r>
             <a:r>
-              <a:rPr lang="en-US" sz="2000" dirty="0"/>
+              <a:rPr lang="en-US" dirty="0"/>
               <a:t> repository, access them by cloning the repository:</a:t>
             </a:r>
           </a:p>
           <a:p>
             <a:pPr lvl="2" algn="l"/>
             <a:r>
-              <a:rPr lang="en-US" dirty="0"/>
+              <a:rPr lang="en-US" sz="3600" dirty="0"/>
               <a:t>git clone </a:t>
             </a:r>
             <a:r>
-              <a:rPr lang="en-US" dirty="0">
+              <a:rPr lang="en-US" sz="3600" dirty="0">
                 <a:hlinkClick r:id="rId2"/>
               </a:rPr>
-              <a:t>https://github.com/lldean18/LIFE4138</a:t>
-            </a:r>
-            <a:endParaRPr lang="en-US" dirty="0"/>
+              <a:t>https://github.com/lldean18/</a:t>
+            </a:r>
+            <a:r>
+              <a:rPr lang="en-US" sz="3600" dirty="0">
+                <a:hlinkClick r:id="rId2">
+                  <a:extLst>
+                    <a:ext uri="{A12FA001-AC4F-418D-AE19-62706E023703}">
+                      <ahyp:hlinkClr xmlns:ahyp="http://schemas.microsoft.com/office/drawing/2018/hyperlinkcolor" val="tx"/>
+                    </a:ext>
+                  </a:extLst>
+                </a:hlinkClick>
+              </a:rPr>
+              <a:t>LIFE4138</a:t>
+            </a:r>
+            <a:r>
+              <a:rPr lang="en-US" sz="3600" dirty="0"/>
+              <a:t>-R</a:t>
+            </a:r>
           </a:p>
           <a:p>
             <a:pPr lvl="2" algn="l"/>
             <a:r>
-              <a:rPr lang="en-US" dirty="0"/>
+              <a:rPr lang="en-US" sz="2000" dirty="0"/>
               <a:t>Or by typing git pull inside the repository if you already have it on your laptop</a:t>
             </a:r>
+          </a:p>
+          <a:p>
+            <a:pPr lvl="2" algn="l"/>
+            <a:endParaRPr lang="en-US" sz="2000" dirty="0"/>
+          </a:p>
+        </p:txBody>
+      </p:sp>
+      <p:sp>
+        <p:nvSpPr>
+          <p:cNvPr id="4" name="TextBox 3">
+            <a:extLst>
+              <a:ext uri="{FF2B5EF4-FFF2-40B4-BE49-F238E27FC236}">
+                <a16:creationId xmlns:a16="http://schemas.microsoft.com/office/drawing/2014/main" id="{03BCF7C1-C24A-AB4E-80D3-27E96958650D}"/>
+              </a:ext>
+            </a:extLst>
+          </p:cNvPr>
+          <p:cNvSpPr txBox="1"/>
+          <p:nvPr/>
+        </p:nvSpPr>
+        <p:spPr>
+          <a:xfrm>
+            <a:off x="1373056" y="5139558"/>
+            <a:ext cx="9445887" cy="1200329"/>
+          </a:xfrm>
+          <a:prstGeom prst="rect">
+            <a:avLst/>
+          </a:prstGeom>
+          <a:noFill/>
+        </p:spPr>
+        <p:txBody>
+          <a:bodyPr wrap="square" rtlCol="0">
+            <a:spAutoFit/>
+          </a:bodyPr>
+          <a:lstStyle/>
+          <a:p>
+            <a:endParaRPr lang="en-US" sz="3600" dirty="0"/>
+          </a:p>
+          <a:p>
+            <a:r>
+              <a:rPr lang="en-US" sz="3600" dirty="0" err="1"/>
+              <a:t>conda</a:t>
+            </a:r>
+            <a:r>
+              <a:rPr lang="en-US" sz="3600" dirty="0"/>
+              <a:t> install r r-</a:t>
+            </a:r>
+            <a:r>
+              <a:rPr lang="en-US" sz="3600" dirty="0" err="1"/>
+              <a:t>tidyverse</a:t>
+            </a:r>
+            <a:r>
+              <a:rPr lang="en-US" sz="3600" dirty="0"/>
+              <a:t> </a:t>
+            </a:r>
+            <a:r>
+              <a:rPr lang="en-GB" sz="3600" dirty="0"/>
+              <a:t>r-</a:t>
+            </a:r>
+            <a:r>
+              <a:rPr lang="en-GB" sz="3600" dirty="0" err="1"/>
+              <a:t>irkernel</a:t>
+            </a:r>
+            <a:r>
+              <a:rPr lang="en-GB" sz="3600" dirty="0"/>
+              <a:t> </a:t>
+            </a:r>
+            <a:r>
+              <a:rPr lang="en-GB" sz="3600" dirty="0" err="1"/>
+              <a:t>ipykernel</a:t>
+            </a:r>
+            <a:endParaRPr lang="en-US" sz="3600" dirty="0"/>
           </a:p>
         </p:txBody>
       </p:sp>
@@ -4429,6 +4581,336 @@
     <p:extLst>
       <p:ext uri="{BB962C8B-B14F-4D97-AF65-F5344CB8AC3E}">
         <p14:creationId xmlns:p14="http://schemas.microsoft.com/office/powerpoint/2010/main" val="1832328622"/>
+      </p:ext>
+    </p:extLst>
+  </p:cSld>
+  <p:clrMapOvr>
+    <a:masterClrMapping/>
+  </p:clrMapOvr>
+</p:sld>
+</file>
+
+<file path=ppt/slides/slide4.xml><?xml version="1.0" encoding="utf-8"?>
+<p:sld xmlns:a="http://schemas.openxmlformats.org/drawingml/2006/main" xmlns:r="http://schemas.openxmlformats.org/officeDocument/2006/relationships" xmlns:p="http://schemas.openxmlformats.org/presentationml/2006/main">
+  <p:cSld>
+    <p:spTree>
+      <p:nvGrpSpPr>
+        <p:cNvPr id="1" name="">
+          <a:extLst>
+            <a:ext uri="{FF2B5EF4-FFF2-40B4-BE49-F238E27FC236}">
+              <a16:creationId xmlns:a16="http://schemas.microsoft.com/office/drawing/2014/main" id="{B77C5373-E66C-4C51-66B1-4C8236D2C62D}"/>
+            </a:ext>
+          </a:extLst>
+        </p:cNvPr>
+        <p:cNvGrpSpPr/>
+        <p:nvPr/>
+      </p:nvGrpSpPr>
+      <p:grpSpPr>
+        <a:xfrm>
+          <a:off x="0" y="0"/>
+          <a:ext cx="0" cy="0"/>
+          <a:chOff x="0" y="0"/>
+          <a:chExt cx="0" cy="0"/>
+        </a:xfrm>
+      </p:grpSpPr>
+      <p:sp>
+        <p:nvSpPr>
+          <p:cNvPr id="2" name="Title 1">
+            <a:extLst>
+              <a:ext uri="{FF2B5EF4-FFF2-40B4-BE49-F238E27FC236}">
+                <a16:creationId xmlns:a16="http://schemas.microsoft.com/office/drawing/2014/main" id="{6F2CA7B5-4E13-CAE5-AB9A-FAEBCEF674CA}"/>
+              </a:ext>
+            </a:extLst>
+          </p:cNvPr>
+          <p:cNvSpPr>
+            <a:spLocks noGrp="1"/>
+          </p:cNvSpPr>
+          <p:nvPr>
+            <p:ph type="ctrTitle"/>
+          </p:nvPr>
+        </p:nvSpPr>
+        <p:spPr>
+          <a:xfrm>
+            <a:off x="1373056" y="-38689"/>
+            <a:ext cx="9144000" cy="1040032"/>
+          </a:xfrm>
+        </p:spPr>
+        <p:txBody>
+          <a:bodyPr>
+            <a:normAutofit/>
+          </a:bodyPr>
+          <a:lstStyle/>
+          <a:p>
+            <a:r>
+              <a:rPr lang="en-US" sz="4000" dirty="0"/>
+              <a:t>To access your homework…</a:t>
+            </a:r>
+          </a:p>
+        </p:txBody>
+      </p:sp>
+      <p:sp>
+        <p:nvSpPr>
+          <p:cNvPr id="3" name="Subtitle 2">
+            <a:extLst>
+              <a:ext uri="{FF2B5EF4-FFF2-40B4-BE49-F238E27FC236}">
+                <a16:creationId xmlns:a16="http://schemas.microsoft.com/office/drawing/2014/main" id="{9B49522D-18EB-DE2D-CA3C-F91B0FFFC778}"/>
+              </a:ext>
+            </a:extLst>
+          </p:cNvPr>
+          <p:cNvSpPr>
+            <a:spLocks noGrp="1"/>
+          </p:cNvSpPr>
+          <p:nvPr>
+            <p:ph type="subTitle" idx="1"/>
+          </p:nvPr>
+        </p:nvSpPr>
+        <p:spPr>
+          <a:xfrm>
+            <a:off x="609600" y="1198179"/>
+            <a:ext cx="11077903" cy="5307723"/>
+          </a:xfrm>
+        </p:spPr>
+        <p:txBody>
+          <a:bodyPr>
+            <a:normAutofit fontScale="92500" lnSpcReduction="10000"/>
+          </a:bodyPr>
+          <a:lstStyle/>
+          <a:p>
+            <a:pPr marL="285750" indent="-285750" algn="l">
+              <a:buFont typeface="Arial" panose="020B0604020202020204" pitchFamily="34" charset="0"/>
+              <a:buChar char="•"/>
+            </a:pPr>
+            <a:r>
+              <a:rPr lang="en-US" sz="2800" dirty="0"/>
+              <a:t>Open a terminal</a:t>
+            </a:r>
+          </a:p>
+          <a:p>
+            <a:pPr marL="285750" indent="-285750" algn="l">
+              <a:buFont typeface="Arial" panose="020B0604020202020204" pitchFamily="34" charset="0"/>
+              <a:buChar char="•"/>
+            </a:pPr>
+            <a:r>
+              <a:rPr lang="en-US" sz="2800" dirty="0"/>
+              <a:t>Activate your lectures </a:t>
+            </a:r>
+            <a:r>
+              <a:rPr lang="en-US" sz="2800" dirty="0" err="1"/>
+              <a:t>conda</a:t>
+            </a:r>
+            <a:r>
+              <a:rPr lang="en-US" sz="2800" dirty="0"/>
+              <a:t> environment:</a:t>
+            </a:r>
+          </a:p>
+          <a:p>
+            <a:pPr algn="l"/>
+            <a:r>
+              <a:rPr lang="en-US" sz="2800" dirty="0" err="1">
+                <a:highlight>
+                  <a:srgbClr val="FFFF00"/>
+                </a:highlight>
+              </a:rPr>
+              <a:t>conda</a:t>
+            </a:r>
+            <a:r>
+              <a:rPr lang="en-US" sz="2800" dirty="0">
+                <a:highlight>
+                  <a:srgbClr val="FFFF00"/>
+                </a:highlight>
+              </a:rPr>
+              <a:t> activate lectures</a:t>
+            </a:r>
+          </a:p>
+          <a:p>
+            <a:pPr marL="285750" indent="-285750" algn="l">
+              <a:buFont typeface="Arial" panose="020B0604020202020204" pitchFamily="34" charset="0"/>
+              <a:buChar char="•"/>
+            </a:pPr>
+            <a:r>
+              <a:rPr lang="en-US" sz="2800" dirty="0"/>
+              <a:t>Install r into your lectures </a:t>
+            </a:r>
+            <a:r>
+              <a:rPr lang="en-US" sz="2800" dirty="0" err="1"/>
+              <a:t>conda</a:t>
+            </a:r>
+            <a:r>
+              <a:rPr lang="en-US" sz="2800" dirty="0"/>
+              <a:t> environment (if you don’t have it already):</a:t>
+            </a:r>
+          </a:p>
+          <a:p>
+            <a:pPr algn="l"/>
+            <a:r>
+              <a:rPr lang="en-US" sz="2800" dirty="0" err="1">
+                <a:highlight>
+                  <a:srgbClr val="FFFF00"/>
+                </a:highlight>
+              </a:rPr>
+              <a:t>conda</a:t>
+            </a:r>
+            <a:r>
+              <a:rPr lang="en-US" sz="2800" dirty="0">
+                <a:highlight>
+                  <a:srgbClr val="FFFF00"/>
+                </a:highlight>
+              </a:rPr>
+              <a:t> install r r-</a:t>
+            </a:r>
+            <a:r>
+              <a:rPr lang="en-US" sz="2800" dirty="0" err="1">
+                <a:highlight>
+                  <a:srgbClr val="FFFF00"/>
+                </a:highlight>
+              </a:rPr>
+              <a:t>tidyverse</a:t>
+            </a:r>
+            <a:r>
+              <a:rPr lang="en-US" sz="2800" dirty="0">
+                <a:highlight>
+                  <a:srgbClr val="FFFF00"/>
+                </a:highlight>
+              </a:rPr>
+              <a:t> r-</a:t>
+            </a:r>
+            <a:r>
+              <a:rPr lang="en-US" sz="2800" dirty="0" err="1">
+                <a:highlight>
+                  <a:srgbClr val="FFFF00"/>
+                </a:highlight>
+              </a:rPr>
+              <a:t>irkernel</a:t>
+            </a:r>
+            <a:r>
+              <a:rPr lang="en-US" sz="2800" dirty="0">
+                <a:highlight>
+                  <a:srgbClr val="FFFF00"/>
+                </a:highlight>
+              </a:rPr>
+              <a:t> </a:t>
+            </a:r>
+            <a:r>
+              <a:rPr lang="en-US" sz="2800" dirty="0" err="1">
+                <a:highlight>
+                  <a:srgbClr val="FFFF00"/>
+                </a:highlight>
+              </a:rPr>
+              <a:t>ipykernel</a:t>
+            </a:r>
+            <a:endParaRPr lang="en-US" sz="2800" dirty="0">
+              <a:highlight>
+                <a:srgbClr val="FFFF00"/>
+              </a:highlight>
+            </a:endParaRPr>
+          </a:p>
+          <a:p>
+            <a:pPr marL="285750" indent="-285750" algn="l">
+              <a:buFont typeface="Arial" panose="020B0604020202020204" pitchFamily="34" charset="0"/>
+              <a:buChar char="•"/>
+            </a:pPr>
+            <a:r>
+              <a:rPr lang="en-US" sz="2800" dirty="0"/>
+              <a:t>If you don’t have the LIFE4138-R folder download it using:</a:t>
+            </a:r>
+          </a:p>
+          <a:p>
+            <a:pPr algn="l"/>
+            <a:r>
+              <a:rPr lang="en-US" sz="2800" dirty="0">
+                <a:highlight>
+                  <a:srgbClr val="FFFF00"/>
+                </a:highlight>
+              </a:rPr>
+              <a:t>git clone </a:t>
+            </a:r>
+            <a:r>
+              <a:rPr lang="en-US" sz="2800" dirty="0">
+                <a:highlight>
+                  <a:srgbClr val="FFFF00"/>
+                </a:highlight>
+                <a:hlinkClick r:id="rId2"/>
+              </a:rPr>
+              <a:t>https://github.com/lldean18/LIFE4138-R</a:t>
+            </a:r>
+            <a:endParaRPr lang="en-US" sz="2800" dirty="0">
+              <a:highlight>
+                <a:srgbClr val="FFFF00"/>
+              </a:highlight>
+            </a:endParaRPr>
+          </a:p>
+          <a:p>
+            <a:pPr marL="285750" indent="-285750" algn="l">
+              <a:buFont typeface="Arial" panose="020B0604020202020204" pitchFamily="34" charset="0"/>
+              <a:buChar char="•"/>
+            </a:pPr>
+            <a:r>
+              <a:rPr lang="en-US" sz="2800" dirty="0"/>
+              <a:t>Run </a:t>
+            </a:r>
+            <a:r>
+              <a:rPr lang="en-US" sz="2800" dirty="0" err="1"/>
+              <a:t>jupyter</a:t>
+            </a:r>
+            <a:r>
+              <a:rPr lang="en-US" sz="2800" dirty="0"/>
+              <a:t> lab from your terminal</a:t>
+            </a:r>
+          </a:p>
+          <a:p>
+            <a:pPr algn="l"/>
+            <a:r>
+              <a:rPr lang="en-US" sz="2800" dirty="0" err="1">
+                <a:highlight>
+                  <a:srgbClr val="FFFF00"/>
+                </a:highlight>
+              </a:rPr>
+              <a:t>jupyter</a:t>
+            </a:r>
+            <a:r>
+              <a:rPr lang="en-US" sz="2800" dirty="0">
+                <a:highlight>
+                  <a:srgbClr val="FFFF00"/>
+                </a:highlight>
+              </a:rPr>
+              <a:t> lab</a:t>
+            </a:r>
+          </a:p>
+          <a:p>
+            <a:pPr marL="285750" indent="-285750" algn="l">
+              <a:buFont typeface="Arial" panose="020B0604020202020204" pitchFamily="34" charset="0"/>
+              <a:buChar char="•"/>
+            </a:pPr>
+            <a:r>
+              <a:rPr lang="en-US" sz="2800" dirty="0"/>
+              <a:t>Find the coursework inside the LIFE4138-R folder in </a:t>
+            </a:r>
+            <a:r>
+              <a:rPr lang="en-US" sz="2800" dirty="0" err="1"/>
+              <a:t>jupyter</a:t>
+            </a:r>
+            <a:r>
+              <a:rPr lang="en-US" sz="2800" dirty="0"/>
+              <a:t> lab. Complete the answers in the empty cells. MAKE SURE YOU PRESS SAVE (the floppy disk button in the top left hand corner)</a:t>
+            </a:r>
+          </a:p>
+          <a:p>
+            <a:pPr marL="285750" indent="-285750" algn="l">
+              <a:buFont typeface="Arial" panose="020B0604020202020204" pitchFamily="34" charset="0"/>
+              <a:buChar char="•"/>
+            </a:pPr>
+            <a:endParaRPr lang="en-US" sz="2800" dirty="0"/>
+          </a:p>
+          <a:p>
+            <a:pPr lvl="2" algn="l"/>
+            <a:endParaRPr lang="en-US" sz="2000" dirty="0"/>
+          </a:p>
+        </p:txBody>
+      </p:sp>
+    </p:spTree>
+    <p:extLst>
+      <p:ext uri="{BB962C8B-B14F-4D97-AF65-F5344CB8AC3E}">
+        <p14:creationId xmlns:p14="http://schemas.microsoft.com/office/powerpoint/2010/main" val="1048522928"/>
       </p:ext>
     </p:extLst>
   </p:cSld>
